--- a/ppt 16-9/0379.人子耶稣寻亡羊.pptx
+++ b/ppt 16-9/0379.人子耶稣寻亡羊.pptx
@@ -129,7 +129,7 @@
           <p:cNvPr id="2" name="标题 1">
             <a:extLst>
               <a:ext uri="{FF2B5EF4-FFF2-40B4-BE49-F238E27FC236}">
-                <a16:creationId xmlns:a16="http://schemas.microsoft.com/office/drawing/2014/main" id="{BCEFF67E-1EAA-A535-CF01-E6A56746BC46}"/>
+                <a16:creationId xmlns:a16="http://schemas.microsoft.com/office/drawing/2014/main" id="{743180C6-BE76-D3EE-9115-795D4421A5B5}"/>
               </a:ext>
             </a:extLst>
           </p:cNvPr>
@@ -166,7 +166,7 @@
           <p:cNvPr id="3" name="副标题 2">
             <a:extLst>
               <a:ext uri="{FF2B5EF4-FFF2-40B4-BE49-F238E27FC236}">
-                <a16:creationId xmlns:a16="http://schemas.microsoft.com/office/drawing/2014/main" id="{A7AD558D-3CA3-035D-3B92-869FAB06C4F3}"/>
+                <a16:creationId xmlns:a16="http://schemas.microsoft.com/office/drawing/2014/main" id="{F0D0A278-78F3-0E32-6B18-66B3F4B848C5}"/>
               </a:ext>
             </a:extLst>
           </p:cNvPr>
@@ -236,7 +236,7 @@
           <p:cNvPr id="4" name="日期占位符 3">
             <a:extLst>
               <a:ext uri="{FF2B5EF4-FFF2-40B4-BE49-F238E27FC236}">
-                <a16:creationId xmlns:a16="http://schemas.microsoft.com/office/drawing/2014/main" id="{AFDFC5C9-CEFD-5EDE-5545-4FF6EB6DA817}"/>
+                <a16:creationId xmlns:a16="http://schemas.microsoft.com/office/drawing/2014/main" id="{B0489BAB-2AE6-5919-A1CD-CA800088D1B4}"/>
               </a:ext>
             </a:extLst>
           </p:cNvPr>
@@ -252,7 +252,7 @@
           <a:bodyPr/>
           <a:lstStyle/>
           <a:p>
-            <a:fld id="{4CAE229E-A24E-4AFB-BA73-53350BC43E72}" type="datetimeFigureOut">
+            <a:fld id="{E7178236-E253-4226-A012-E45940043F94}" type="datetimeFigureOut">
               <a:rPr lang="zh-CN" altLang="en-US" smtClean="0"/>
               <a:t>2024/3/10</a:t>
             </a:fld>
@@ -265,7 +265,7 @@
           <p:cNvPr id="5" name="页脚占位符 4">
             <a:extLst>
               <a:ext uri="{FF2B5EF4-FFF2-40B4-BE49-F238E27FC236}">
-                <a16:creationId xmlns:a16="http://schemas.microsoft.com/office/drawing/2014/main" id="{B7D5C7EC-AB9C-94B2-8CD0-68DF4E71B116}"/>
+                <a16:creationId xmlns:a16="http://schemas.microsoft.com/office/drawing/2014/main" id="{6CB2E973-547B-A3A7-9275-26163E095070}"/>
               </a:ext>
             </a:extLst>
           </p:cNvPr>
@@ -290,7 +290,7 @@
           <p:cNvPr id="6" name="灯片编号占位符 5">
             <a:extLst>
               <a:ext uri="{FF2B5EF4-FFF2-40B4-BE49-F238E27FC236}">
-                <a16:creationId xmlns:a16="http://schemas.microsoft.com/office/drawing/2014/main" id="{53D74DD9-9CB5-8AEB-1F5F-6CA1C7790C4F}"/>
+                <a16:creationId xmlns:a16="http://schemas.microsoft.com/office/drawing/2014/main" id="{26296210-2F3B-B93D-3ACF-B677C7A48BF7}"/>
               </a:ext>
             </a:extLst>
           </p:cNvPr>
@@ -306,7 +306,7 @@
           <a:bodyPr/>
           <a:lstStyle/>
           <a:p>
-            <a:fld id="{6950C99D-BC52-4A60-84F5-FB1D29023C1E}" type="slidenum">
+            <a:fld id="{461508D0-1CEF-4CE3-A51E-42CE21E81B92}" type="slidenum">
               <a:rPr lang="zh-CN" altLang="en-US" smtClean="0"/>
               <a:t>‹#›</a:t>
             </a:fld>
@@ -317,7 +317,7 @@
     </p:spTree>
     <p:extLst>
       <p:ext uri="{BB962C8B-B14F-4D97-AF65-F5344CB8AC3E}">
-        <p14:creationId xmlns:p14="http://schemas.microsoft.com/office/powerpoint/2010/main" val="2124673353"/>
+        <p14:creationId xmlns:p14="http://schemas.microsoft.com/office/powerpoint/2010/main" val="2563781318"/>
       </p:ext>
     </p:extLst>
   </p:cSld>
@@ -349,7 +349,7 @@
           <p:cNvPr id="2" name="标题 1">
             <a:extLst>
               <a:ext uri="{FF2B5EF4-FFF2-40B4-BE49-F238E27FC236}">
-                <a16:creationId xmlns:a16="http://schemas.microsoft.com/office/drawing/2014/main" id="{D3D703C8-530C-1C1D-38E4-61148C474C3A}"/>
+                <a16:creationId xmlns:a16="http://schemas.microsoft.com/office/drawing/2014/main" id="{6CF6A669-C19F-73AA-850A-6F28CF8C80C0}"/>
               </a:ext>
             </a:extLst>
           </p:cNvPr>
@@ -377,7 +377,7 @@
           <p:cNvPr id="3" name="竖排文字占位符 2">
             <a:extLst>
               <a:ext uri="{FF2B5EF4-FFF2-40B4-BE49-F238E27FC236}">
-                <a16:creationId xmlns:a16="http://schemas.microsoft.com/office/drawing/2014/main" id="{E64AA841-57E2-4EDE-FC0E-FCCF202F43CF}"/>
+                <a16:creationId xmlns:a16="http://schemas.microsoft.com/office/drawing/2014/main" id="{39B68C39-BEA7-DE03-480C-A17A5B75A36B}"/>
               </a:ext>
             </a:extLst>
           </p:cNvPr>
@@ -434,7 +434,7 @@
           <p:cNvPr id="4" name="日期占位符 3">
             <a:extLst>
               <a:ext uri="{FF2B5EF4-FFF2-40B4-BE49-F238E27FC236}">
-                <a16:creationId xmlns:a16="http://schemas.microsoft.com/office/drawing/2014/main" id="{2009EB42-6AEA-02FB-8933-B729CC61D1CF}"/>
+                <a16:creationId xmlns:a16="http://schemas.microsoft.com/office/drawing/2014/main" id="{05A14696-0F20-2026-2EF2-3567AE23326E}"/>
               </a:ext>
             </a:extLst>
           </p:cNvPr>
@@ -450,7 +450,7 @@
           <a:bodyPr/>
           <a:lstStyle/>
           <a:p>
-            <a:fld id="{4CAE229E-A24E-4AFB-BA73-53350BC43E72}" type="datetimeFigureOut">
+            <a:fld id="{E7178236-E253-4226-A012-E45940043F94}" type="datetimeFigureOut">
               <a:rPr lang="zh-CN" altLang="en-US" smtClean="0"/>
               <a:t>2024/3/10</a:t>
             </a:fld>
@@ -463,7 +463,7 @@
           <p:cNvPr id="5" name="页脚占位符 4">
             <a:extLst>
               <a:ext uri="{FF2B5EF4-FFF2-40B4-BE49-F238E27FC236}">
-                <a16:creationId xmlns:a16="http://schemas.microsoft.com/office/drawing/2014/main" id="{F6FD4466-C4B3-4367-8ABE-DFCEAAD34D03}"/>
+                <a16:creationId xmlns:a16="http://schemas.microsoft.com/office/drawing/2014/main" id="{F8953EDA-9ABA-4E83-6384-E2679B7DD6D8}"/>
               </a:ext>
             </a:extLst>
           </p:cNvPr>
@@ -488,7 +488,7 @@
           <p:cNvPr id="6" name="灯片编号占位符 5">
             <a:extLst>
               <a:ext uri="{FF2B5EF4-FFF2-40B4-BE49-F238E27FC236}">
-                <a16:creationId xmlns:a16="http://schemas.microsoft.com/office/drawing/2014/main" id="{BD7E38E5-51E9-A985-9F12-029919906BDD}"/>
+                <a16:creationId xmlns:a16="http://schemas.microsoft.com/office/drawing/2014/main" id="{798E04C3-1F5E-50DD-519A-E4F4938083C2}"/>
               </a:ext>
             </a:extLst>
           </p:cNvPr>
@@ -504,7 +504,7 @@
           <a:bodyPr/>
           <a:lstStyle/>
           <a:p>
-            <a:fld id="{6950C99D-BC52-4A60-84F5-FB1D29023C1E}" type="slidenum">
+            <a:fld id="{461508D0-1CEF-4CE3-A51E-42CE21E81B92}" type="slidenum">
               <a:rPr lang="zh-CN" altLang="en-US" smtClean="0"/>
               <a:t>‹#›</a:t>
             </a:fld>
@@ -515,7 +515,7 @@
     </p:spTree>
     <p:extLst>
       <p:ext uri="{BB962C8B-B14F-4D97-AF65-F5344CB8AC3E}">
-        <p14:creationId xmlns:p14="http://schemas.microsoft.com/office/powerpoint/2010/main" val="2818840124"/>
+        <p14:creationId xmlns:p14="http://schemas.microsoft.com/office/powerpoint/2010/main" val="1981725755"/>
       </p:ext>
     </p:extLst>
   </p:cSld>
@@ -547,7 +547,7 @@
           <p:cNvPr id="2" name="竖排标题 1">
             <a:extLst>
               <a:ext uri="{FF2B5EF4-FFF2-40B4-BE49-F238E27FC236}">
-                <a16:creationId xmlns:a16="http://schemas.microsoft.com/office/drawing/2014/main" id="{BF85A0A6-231F-3CDF-DCAC-89E46E060BA9}"/>
+                <a16:creationId xmlns:a16="http://schemas.microsoft.com/office/drawing/2014/main" id="{929B2A58-4773-8B41-A734-359A25A840BE}"/>
               </a:ext>
             </a:extLst>
           </p:cNvPr>
@@ -580,7 +580,7 @@
           <p:cNvPr id="3" name="竖排文字占位符 2">
             <a:extLst>
               <a:ext uri="{FF2B5EF4-FFF2-40B4-BE49-F238E27FC236}">
-                <a16:creationId xmlns:a16="http://schemas.microsoft.com/office/drawing/2014/main" id="{1B968F0A-052B-5F88-CD3E-AF886D6C7D13}"/>
+                <a16:creationId xmlns:a16="http://schemas.microsoft.com/office/drawing/2014/main" id="{97792F52-FC64-4E23-A4F3-1F8FCDDD6DF7}"/>
               </a:ext>
             </a:extLst>
           </p:cNvPr>
@@ -642,7 +642,7 @@
           <p:cNvPr id="4" name="日期占位符 3">
             <a:extLst>
               <a:ext uri="{FF2B5EF4-FFF2-40B4-BE49-F238E27FC236}">
-                <a16:creationId xmlns:a16="http://schemas.microsoft.com/office/drawing/2014/main" id="{26965F6E-D691-DF4F-AF2C-8FD6825996C0}"/>
+                <a16:creationId xmlns:a16="http://schemas.microsoft.com/office/drawing/2014/main" id="{CF402395-9249-4C36-F7FA-B7777B0B1B13}"/>
               </a:ext>
             </a:extLst>
           </p:cNvPr>
@@ -658,7 +658,7 @@
           <a:bodyPr/>
           <a:lstStyle/>
           <a:p>
-            <a:fld id="{4CAE229E-A24E-4AFB-BA73-53350BC43E72}" type="datetimeFigureOut">
+            <a:fld id="{E7178236-E253-4226-A012-E45940043F94}" type="datetimeFigureOut">
               <a:rPr lang="zh-CN" altLang="en-US" smtClean="0"/>
               <a:t>2024/3/10</a:t>
             </a:fld>
@@ -671,7 +671,7 @@
           <p:cNvPr id="5" name="页脚占位符 4">
             <a:extLst>
               <a:ext uri="{FF2B5EF4-FFF2-40B4-BE49-F238E27FC236}">
-                <a16:creationId xmlns:a16="http://schemas.microsoft.com/office/drawing/2014/main" id="{3298CE46-798B-D666-6D33-31A5A4ACD42E}"/>
+                <a16:creationId xmlns:a16="http://schemas.microsoft.com/office/drawing/2014/main" id="{79188389-8280-1447-1E34-86F78D54EABB}"/>
               </a:ext>
             </a:extLst>
           </p:cNvPr>
@@ -696,7 +696,7 @@
           <p:cNvPr id="6" name="灯片编号占位符 5">
             <a:extLst>
               <a:ext uri="{FF2B5EF4-FFF2-40B4-BE49-F238E27FC236}">
-                <a16:creationId xmlns:a16="http://schemas.microsoft.com/office/drawing/2014/main" id="{C8624B63-5F19-3716-7362-6457FE6F6980}"/>
+                <a16:creationId xmlns:a16="http://schemas.microsoft.com/office/drawing/2014/main" id="{5C7138F0-9CA4-19B6-E0F3-C11D3E058074}"/>
               </a:ext>
             </a:extLst>
           </p:cNvPr>
@@ -712,7 +712,7 @@
           <a:bodyPr/>
           <a:lstStyle/>
           <a:p>
-            <a:fld id="{6950C99D-BC52-4A60-84F5-FB1D29023C1E}" type="slidenum">
+            <a:fld id="{461508D0-1CEF-4CE3-A51E-42CE21E81B92}" type="slidenum">
               <a:rPr lang="zh-CN" altLang="en-US" smtClean="0"/>
               <a:t>‹#›</a:t>
             </a:fld>
@@ -723,7 +723,7 @@
     </p:spTree>
     <p:extLst>
       <p:ext uri="{BB962C8B-B14F-4D97-AF65-F5344CB8AC3E}">
-        <p14:creationId xmlns:p14="http://schemas.microsoft.com/office/powerpoint/2010/main" val="3073501864"/>
+        <p14:creationId xmlns:p14="http://schemas.microsoft.com/office/powerpoint/2010/main" val="3441855715"/>
       </p:ext>
     </p:extLst>
   </p:cSld>
@@ -755,7 +755,7 @@
           <p:cNvPr id="2" name="标题 1">
             <a:extLst>
               <a:ext uri="{FF2B5EF4-FFF2-40B4-BE49-F238E27FC236}">
-                <a16:creationId xmlns:a16="http://schemas.microsoft.com/office/drawing/2014/main" id="{88FB2DF1-6012-5825-99E0-06AAB89C0311}"/>
+                <a16:creationId xmlns:a16="http://schemas.microsoft.com/office/drawing/2014/main" id="{ACC4764C-6D6B-84E0-56E4-38ACDA370499}"/>
               </a:ext>
             </a:extLst>
           </p:cNvPr>
@@ -783,7 +783,7 @@
           <p:cNvPr id="3" name="内容占位符 2">
             <a:extLst>
               <a:ext uri="{FF2B5EF4-FFF2-40B4-BE49-F238E27FC236}">
-                <a16:creationId xmlns:a16="http://schemas.microsoft.com/office/drawing/2014/main" id="{74E929E3-1042-6BF1-8C48-257CC042AA99}"/>
+                <a16:creationId xmlns:a16="http://schemas.microsoft.com/office/drawing/2014/main" id="{ED0D3AA5-BEAD-3E5E-F577-62DD30D58EFE}"/>
               </a:ext>
             </a:extLst>
           </p:cNvPr>
@@ -840,7 +840,7 @@
           <p:cNvPr id="4" name="日期占位符 3">
             <a:extLst>
               <a:ext uri="{FF2B5EF4-FFF2-40B4-BE49-F238E27FC236}">
-                <a16:creationId xmlns:a16="http://schemas.microsoft.com/office/drawing/2014/main" id="{1A93184C-6FDC-5DAA-0869-14CC4E46D8C5}"/>
+                <a16:creationId xmlns:a16="http://schemas.microsoft.com/office/drawing/2014/main" id="{37A74150-DF1D-E9C5-36FC-E7811F98F27D}"/>
               </a:ext>
             </a:extLst>
           </p:cNvPr>
@@ -856,7 +856,7 @@
           <a:bodyPr/>
           <a:lstStyle/>
           <a:p>
-            <a:fld id="{4CAE229E-A24E-4AFB-BA73-53350BC43E72}" type="datetimeFigureOut">
+            <a:fld id="{E7178236-E253-4226-A012-E45940043F94}" type="datetimeFigureOut">
               <a:rPr lang="zh-CN" altLang="en-US" smtClean="0"/>
               <a:t>2024/3/10</a:t>
             </a:fld>
@@ -869,7 +869,7 @@
           <p:cNvPr id="5" name="页脚占位符 4">
             <a:extLst>
               <a:ext uri="{FF2B5EF4-FFF2-40B4-BE49-F238E27FC236}">
-                <a16:creationId xmlns:a16="http://schemas.microsoft.com/office/drawing/2014/main" id="{FBE68DFD-B3F7-CA23-0D13-A6ED8892EEA5}"/>
+                <a16:creationId xmlns:a16="http://schemas.microsoft.com/office/drawing/2014/main" id="{BACA67DA-15E2-67B4-253D-A6B33894BF66}"/>
               </a:ext>
             </a:extLst>
           </p:cNvPr>
@@ -894,7 +894,7 @@
           <p:cNvPr id="6" name="灯片编号占位符 5">
             <a:extLst>
               <a:ext uri="{FF2B5EF4-FFF2-40B4-BE49-F238E27FC236}">
-                <a16:creationId xmlns:a16="http://schemas.microsoft.com/office/drawing/2014/main" id="{00292B4A-F152-7F3D-B969-96F143AD147A}"/>
+                <a16:creationId xmlns:a16="http://schemas.microsoft.com/office/drawing/2014/main" id="{E8986D38-F298-DCDF-9D19-D8145DB1C71A}"/>
               </a:ext>
             </a:extLst>
           </p:cNvPr>
@@ -910,7 +910,7 @@
           <a:bodyPr/>
           <a:lstStyle/>
           <a:p>
-            <a:fld id="{6950C99D-BC52-4A60-84F5-FB1D29023C1E}" type="slidenum">
+            <a:fld id="{461508D0-1CEF-4CE3-A51E-42CE21E81B92}" type="slidenum">
               <a:rPr lang="zh-CN" altLang="en-US" smtClean="0"/>
               <a:t>‹#›</a:t>
             </a:fld>
@@ -921,7 +921,7 @@
     </p:spTree>
     <p:extLst>
       <p:ext uri="{BB962C8B-B14F-4D97-AF65-F5344CB8AC3E}">
-        <p14:creationId xmlns:p14="http://schemas.microsoft.com/office/powerpoint/2010/main" val="984649870"/>
+        <p14:creationId xmlns:p14="http://schemas.microsoft.com/office/powerpoint/2010/main" val="1672918528"/>
       </p:ext>
     </p:extLst>
   </p:cSld>
@@ -953,7 +953,7 @@
           <p:cNvPr id="2" name="标题 1">
             <a:extLst>
               <a:ext uri="{FF2B5EF4-FFF2-40B4-BE49-F238E27FC236}">
-                <a16:creationId xmlns:a16="http://schemas.microsoft.com/office/drawing/2014/main" id="{4EABE474-3888-B3D2-1048-A1F4C7585393}"/>
+                <a16:creationId xmlns:a16="http://schemas.microsoft.com/office/drawing/2014/main" id="{E76088D4-A2CF-7512-2773-F951264EC8DE}"/>
               </a:ext>
             </a:extLst>
           </p:cNvPr>
@@ -990,7 +990,7 @@
           <p:cNvPr id="3" name="文本占位符 2">
             <a:extLst>
               <a:ext uri="{FF2B5EF4-FFF2-40B4-BE49-F238E27FC236}">
-                <a16:creationId xmlns:a16="http://schemas.microsoft.com/office/drawing/2014/main" id="{6C74A18C-1EC8-16B5-4E8C-23B468A58B16}"/>
+                <a16:creationId xmlns:a16="http://schemas.microsoft.com/office/drawing/2014/main" id="{E7D4B3C2-74A5-4BAC-D743-3BCEBFA37FE8}"/>
               </a:ext>
             </a:extLst>
           </p:cNvPr>
@@ -1115,7 +1115,7 @@
           <p:cNvPr id="4" name="日期占位符 3">
             <a:extLst>
               <a:ext uri="{FF2B5EF4-FFF2-40B4-BE49-F238E27FC236}">
-                <a16:creationId xmlns:a16="http://schemas.microsoft.com/office/drawing/2014/main" id="{373450D9-FF2D-0345-0FA4-EA090BE3D111}"/>
+                <a16:creationId xmlns:a16="http://schemas.microsoft.com/office/drawing/2014/main" id="{E222C7D4-0BE9-A90C-4D78-B03042E8ABAD}"/>
               </a:ext>
             </a:extLst>
           </p:cNvPr>
@@ -1131,7 +1131,7 @@
           <a:bodyPr/>
           <a:lstStyle/>
           <a:p>
-            <a:fld id="{4CAE229E-A24E-4AFB-BA73-53350BC43E72}" type="datetimeFigureOut">
+            <a:fld id="{E7178236-E253-4226-A012-E45940043F94}" type="datetimeFigureOut">
               <a:rPr lang="zh-CN" altLang="en-US" smtClean="0"/>
               <a:t>2024/3/10</a:t>
             </a:fld>
@@ -1144,7 +1144,7 @@
           <p:cNvPr id="5" name="页脚占位符 4">
             <a:extLst>
               <a:ext uri="{FF2B5EF4-FFF2-40B4-BE49-F238E27FC236}">
-                <a16:creationId xmlns:a16="http://schemas.microsoft.com/office/drawing/2014/main" id="{50628B8C-95B5-136F-40C3-DF34F279F233}"/>
+                <a16:creationId xmlns:a16="http://schemas.microsoft.com/office/drawing/2014/main" id="{886846A6-AB43-0BEE-4805-8D4C147243BF}"/>
               </a:ext>
             </a:extLst>
           </p:cNvPr>
@@ -1169,7 +1169,7 @@
           <p:cNvPr id="6" name="灯片编号占位符 5">
             <a:extLst>
               <a:ext uri="{FF2B5EF4-FFF2-40B4-BE49-F238E27FC236}">
-                <a16:creationId xmlns:a16="http://schemas.microsoft.com/office/drawing/2014/main" id="{1227FF71-371D-FB36-10B6-7C05381A5C07}"/>
+                <a16:creationId xmlns:a16="http://schemas.microsoft.com/office/drawing/2014/main" id="{E189A0C2-1B78-4D7D-43FF-6750D153A38E}"/>
               </a:ext>
             </a:extLst>
           </p:cNvPr>
@@ -1185,7 +1185,7 @@
           <a:bodyPr/>
           <a:lstStyle/>
           <a:p>
-            <a:fld id="{6950C99D-BC52-4A60-84F5-FB1D29023C1E}" type="slidenum">
+            <a:fld id="{461508D0-1CEF-4CE3-A51E-42CE21E81B92}" type="slidenum">
               <a:rPr lang="zh-CN" altLang="en-US" smtClean="0"/>
               <a:t>‹#›</a:t>
             </a:fld>
@@ -1196,7 +1196,7 @@
     </p:spTree>
     <p:extLst>
       <p:ext uri="{BB962C8B-B14F-4D97-AF65-F5344CB8AC3E}">
-        <p14:creationId xmlns:p14="http://schemas.microsoft.com/office/powerpoint/2010/main" val="3748887868"/>
+        <p14:creationId xmlns:p14="http://schemas.microsoft.com/office/powerpoint/2010/main" val="934767211"/>
       </p:ext>
     </p:extLst>
   </p:cSld>
@@ -1228,7 +1228,7 @@
           <p:cNvPr id="2" name="标题 1">
             <a:extLst>
               <a:ext uri="{FF2B5EF4-FFF2-40B4-BE49-F238E27FC236}">
-                <a16:creationId xmlns:a16="http://schemas.microsoft.com/office/drawing/2014/main" id="{A8B5C169-AEB1-0963-DE2C-8CC22B4FEAEB}"/>
+                <a16:creationId xmlns:a16="http://schemas.microsoft.com/office/drawing/2014/main" id="{0E911705-75CE-D582-F037-A703D6E67371}"/>
               </a:ext>
             </a:extLst>
           </p:cNvPr>
@@ -1256,7 +1256,7 @@
           <p:cNvPr id="3" name="内容占位符 2">
             <a:extLst>
               <a:ext uri="{FF2B5EF4-FFF2-40B4-BE49-F238E27FC236}">
-                <a16:creationId xmlns:a16="http://schemas.microsoft.com/office/drawing/2014/main" id="{22757DA0-3E6F-81FB-1C84-39FEAFAF244D}"/>
+                <a16:creationId xmlns:a16="http://schemas.microsoft.com/office/drawing/2014/main" id="{5ACF6A32-4E4D-C710-5142-7BEA6199D518}"/>
               </a:ext>
             </a:extLst>
           </p:cNvPr>
@@ -1318,7 +1318,7 @@
           <p:cNvPr id="4" name="内容占位符 3">
             <a:extLst>
               <a:ext uri="{FF2B5EF4-FFF2-40B4-BE49-F238E27FC236}">
-                <a16:creationId xmlns:a16="http://schemas.microsoft.com/office/drawing/2014/main" id="{B92FEF2B-CC9E-41F3-E2D8-7EC088539944}"/>
+                <a16:creationId xmlns:a16="http://schemas.microsoft.com/office/drawing/2014/main" id="{4537C092-9B1C-72B8-1B78-C9B6BED6028C}"/>
               </a:ext>
             </a:extLst>
           </p:cNvPr>
@@ -1380,7 +1380,7 @@
           <p:cNvPr id="5" name="日期占位符 4">
             <a:extLst>
               <a:ext uri="{FF2B5EF4-FFF2-40B4-BE49-F238E27FC236}">
-                <a16:creationId xmlns:a16="http://schemas.microsoft.com/office/drawing/2014/main" id="{F6827E91-C553-C88B-2E96-6E752FE9897D}"/>
+                <a16:creationId xmlns:a16="http://schemas.microsoft.com/office/drawing/2014/main" id="{01CBB881-53F9-A1EA-8241-77407F98B08C}"/>
               </a:ext>
             </a:extLst>
           </p:cNvPr>
@@ -1396,7 +1396,7 @@
           <a:bodyPr/>
           <a:lstStyle/>
           <a:p>
-            <a:fld id="{4CAE229E-A24E-4AFB-BA73-53350BC43E72}" type="datetimeFigureOut">
+            <a:fld id="{E7178236-E253-4226-A012-E45940043F94}" type="datetimeFigureOut">
               <a:rPr lang="zh-CN" altLang="en-US" smtClean="0"/>
               <a:t>2024/3/10</a:t>
             </a:fld>
@@ -1409,7 +1409,7 @@
           <p:cNvPr id="6" name="页脚占位符 5">
             <a:extLst>
               <a:ext uri="{FF2B5EF4-FFF2-40B4-BE49-F238E27FC236}">
-                <a16:creationId xmlns:a16="http://schemas.microsoft.com/office/drawing/2014/main" id="{0130B1E2-6291-A4C5-B263-4270BBC39850}"/>
+                <a16:creationId xmlns:a16="http://schemas.microsoft.com/office/drawing/2014/main" id="{7E8FA30D-AD4E-3E74-0871-C08A610AA4F8}"/>
               </a:ext>
             </a:extLst>
           </p:cNvPr>
@@ -1434,7 +1434,7 @@
           <p:cNvPr id="7" name="灯片编号占位符 6">
             <a:extLst>
               <a:ext uri="{FF2B5EF4-FFF2-40B4-BE49-F238E27FC236}">
-                <a16:creationId xmlns:a16="http://schemas.microsoft.com/office/drawing/2014/main" id="{791C9680-1045-368F-6999-9F6C13739069}"/>
+                <a16:creationId xmlns:a16="http://schemas.microsoft.com/office/drawing/2014/main" id="{0957275A-50D6-04BA-5F0C-22F0E983A98D}"/>
               </a:ext>
             </a:extLst>
           </p:cNvPr>
@@ -1450,7 +1450,7 @@
           <a:bodyPr/>
           <a:lstStyle/>
           <a:p>
-            <a:fld id="{6950C99D-BC52-4A60-84F5-FB1D29023C1E}" type="slidenum">
+            <a:fld id="{461508D0-1CEF-4CE3-A51E-42CE21E81B92}" type="slidenum">
               <a:rPr lang="zh-CN" altLang="en-US" smtClean="0"/>
               <a:t>‹#›</a:t>
             </a:fld>
@@ -1461,7 +1461,7 @@
     </p:spTree>
     <p:extLst>
       <p:ext uri="{BB962C8B-B14F-4D97-AF65-F5344CB8AC3E}">
-        <p14:creationId xmlns:p14="http://schemas.microsoft.com/office/powerpoint/2010/main" val="2647328483"/>
+        <p14:creationId xmlns:p14="http://schemas.microsoft.com/office/powerpoint/2010/main" val="2899058903"/>
       </p:ext>
     </p:extLst>
   </p:cSld>
@@ -1493,7 +1493,7 @@
           <p:cNvPr id="2" name="标题 1">
             <a:extLst>
               <a:ext uri="{FF2B5EF4-FFF2-40B4-BE49-F238E27FC236}">
-                <a16:creationId xmlns:a16="http://schemas.microsoft.com/office/drawing/2014/main" id="{4F6FBCF1-AC4F-8C15-C315-CD10627669DE}"/>
+                <a16:creationId xmlns:a16="http://schemas.microsoft.com/office/drawing/2014/main" id="{3CC304C4-1462-CE12-BFA4-A692273CF40C}"/>
               </a:ext>
             </a:extLst>
           </p:cNvPr>
@@ -1526,7 +1526,7 @@
           <p:cNvPr id="3" name="文本占位符 2">
             <a:extLst>
               <a:ext uri="{FF2B5EF4-FFF2-40B4-BE49-F238E27FC236}">
-                <a16:creationId xmlns:a16="http://schemas.microsoft.com/office/drawing/2014/main" id="{1289C166-113F-8C7B-2EC4-0BAE5D87E583}"/>
+                <a16:creationId xmlns:a16="http://schemas.microsoft.com/office/drawing/2014/main" id="{96ECE871-5427-F497-9B27-F0CBFC56E8FA}"/>
               </a:ext>
             </a:extLst>
           </p:cNvPr>
@@ -1597,7 +1597,7 @@
           <p:cNvPr id="4" name="内容占位符 3">
             <a:extLst>
               <a:ext uri="{FF2B5EF4-FFF2-40B4-BE49-F238E27FC236}">
-                <a16:creationId xmlns:a16="http://schemas.microsoft.com/office/drawing/2014/main" id="{B3910A2C-DC1C-0174-44F4-F05E22E6B43C}"/>
+                <a16:creationId xmlns:a16="http://schemas.microsoft.com/office/drawing/2014/main" id="{25F4520F-A8D3-A1A1-57BC-33A999D6D770}"/>
               </a:ext>
             </a:extLst>
           </p:cNvPr>
@@ -1659,7 +1659,7 @@
           <p:cNvPr id="5" name="文本占位符 4">
             <a:extLst>
               <a:ext uri="{FF2B5EF4-FFF2-40B4-BE49-F238E27FC236}">
-                <a16:creationId xmlns:a16="http://schemas.microsoft.com/office/drawing/2014/main" id="{F115755C-7323-F955-5CEC-9AB61D0A78B2}"/>
+                <a16:creationId xmlns:a16="http://schemas.microsoft.com/office/drawing/2014/main" id="{01D32DCC-F011-C66B-E50C-492D48C94B30}"/>
               </a:ext>
             </a:extLst>
           </p:cNvPr>
@@ -1730,7 +1730,7 @@
           <p:cNvPr id="6" name="内容占位符 5">
             <a:extLst>
               <a:ext uri="{FF2B5EF4-FFF2-40B4-BE49-F238E27FC236}">
-                <a16:creationId xmlns:a16="http://schemas.microsoft.com/office/drawing/2014/main" id="{8611756C-8FE2-443D-87E3-1929FA007A86}"/>
+                <a16:creationId xmlns:a16="http://schemas.microsoft.com/office/drawing/2014/main" id="{5CA7D6FC-0717-BCCE-A60D-A29DE24D5598}"/>
               </a:ext>
             </a:extLst>
           </p:cNvPr>
@@ -1792,7 +1792,7 @@
           <p:cNvPr id="7" name="日期占位符 6">
             <a:extLst>
               <a:ext uri="{FF2B5EF4-FFF2-40B4-BE49-F238E27FC236}">
-                <a16:creationId xmlns:a16="http://schemas.microsoft.com/office/drawing/2014/main" id="{2D09B782-F0C1-2FA9-1145-7F99C6284EAA}"/>
+                <a16:creationId xmlns:a16="http://schemas.microsoft.com/office/drawing/2014/main" id="{D20062E0-FAC0-583A-C7C3-613CDF537273}"/>
               </a:ext>
             </a:extLst>
           </p:cNvPr>
@@ -1808,7 +1808,7 @@
           <a:bodyPr/>
           <a:lstStyle/>
           <a:p>
-            <a:fld id="{4CAE229E-A24E-4AFB-BA73-53350BC43E72}" type="datetimeFigureOut">
+            <a:fld id="{E7178236-E253-4226-A012-E45940043F94}" type="datetimeFigureOut">
               <a:rPr lang="zh-CN" altLang="en-US" smtClean="0"/>
               <a:t>2024/3/10</a:t>
             </a:fld>
@@ -1821,7 +1821,7 @@
           <p:cNvPr id="8" name="页脚占位符 7">
             <a:extLst>
               <a:ext uri="{FF2B5EF4-FFF2-40B4-BE49-F238E27FC236}">
-                <a16:creationId xmlns:a16="http://schemas.microsoft.com/office/drawing/2014/main" id="{696E8C6A-33B1-419D-60D2-F13F802AF098}"/>
+                <a16:creationId xmlns:a16="http://schemas.microsoft.com/office/drawing/2014/main" id="{DFF17274-72A2-EDBA-77CA-AB4A3028FBEB}"/>
               </a:ext>
             </a:extLst>
           </p:cNvPr>
@@ -1846,7 +1846,7 @@
           <p:cNvPr id="9" name="灯片编号占位符 8">
             <a:extLst>
               <a:ext uri="{FF2B5EF4-FFF2-40B4-BE49-F238E27FC236}">
-                <a16:creationId xmlns:a16="http://schemas.microsoft.com/office/drawing/2014/main" id="{C3BC2BA5-2459-2C5A-9B51-4CE53FB6523F}"/>
+                <a16:creationId xmlns:a16="http://schemas.microsoft.com/office/drawing/2014/main" id="{CA370287-32AE-DAD9-F4A1-4B5D0761FEA3}"/>
               </a:ext>
             </a:extLst>
           </p:cNvPr>
@@ -1862,7 +1862,7 @@
           <a:bodyPr/>
           <a:lstStyle/>
           <a:p>
-            <a:fld id="{6950C99D-BC52-4A60-84F5-FB1D29023C1E}" type="slidenum">
+            <a:fld id="{461508D0-1CEF-4CE3-A51E-42CE21E81B92}" type="slidenum">
               <a:rPr lang="zh-CN" altLang="en-US" smtClean="0"/>
               <a:t>‹#›</a:t>
             </a:fld>
@@ -1873,7 +1873,7 @@
     </p:spTree>
     <p:extLst>
       <p:ext uri="{BB962C8B-B14F-4D97-AF65-F5344CB8AC3E}">
-        <p14:creationId xmlns:p14="http://schemas.microsoft.com/office/powerpoint/2010/main" val="2529897480"/>
+        <p14:creationId xmlns:p14="http://schemas.microsoft.com/office/powerpoint/2010/main" val="1924413297"/>
       </p:ext>
     </p:extLst>
   </p:cSld>
@@ -1905,7 +1905,7 @@
           <p:cNvPr id="2" name="标题 1">
             <a:extLst>
               <a:ext uri="{FF2B5EF4-FFF2-40B4-BE49-F238E27FC236}">
-                <a16:creationId xmlns:a16="http://schemas.microsoft.com/office/drawing/2014/main" id="{A8BD1EED-73CE-331B-32F5-C2C8D3272125}"/>
+                <a16:creationId xmlns:a16="http://schemas.microsoft.com/office/drawing/2014/main" id="{850659C4-BF9C-B9EC-0AEA-8C1A4DA08C80}"/>
               </a:ext>
             </a:extLst>
           </p:cNvPr>
@@ -1933,7 +1933,7 @@
           <p:cNvPr id="3" name="日期占位符 2">
             <a:extLst>
               <a:ext uri="{FF2B5EF4-FFF2-40B4-BE49-F238E27FC236}">
-                <a16:creationId xmlns:a16="http://schemas.microsoft.com/office/drawing/2014/main" id="{4C51A175-B66A-8042-3127-8F65BBC1249A}"/>
+                <a16:creationId xmlns:a16="http://schemas.microsoft.com/office/drawing/2014/main" id="{CFCFCFBE-7FDD-5D28-31A9-CCDB0B6889D5}"/>
               </a:ext>
             </a:extLst>
           </p:cNvPr>
@@ -1949,7 +1949,7 @@
           <a:bodyPr/>
           <a:lstStyle/>
           <a:p>
-            <a:fld id="{4CAE229E-A24E-4AFB-BA73-53350BC43E72}" type="datetimeFigureOut">
+            <a:fld id="{E7178236-E253-4226-A012-E45940043F94}" type="datetimeFigureOut">
               <a:rPr lang="zh-CN" altLang="en-US" smtClean="0"/>
               <a:t>2024/3/10</a:t>
             </a:fld>
@@ -1962,7 +1962,7 @@
           <p:cNvPr id="4" name="页脚占位符 3">
             <a:extLst>
               <a:ext uri="{FF2B5EF4-FFF2-40B4-BE49-F238E27FC236}">
-                <a16:creationId xmlns:a16="http://schemas.microsoft.com/office/drawing/2014/main" id="{D0B25B59-0A12-2DF8-5F84-2508BA5EB8FB}"/>
+                <a16:creationId xmlns:a16="http://schemas.microsoft.com/office/drawing/2014/main" id="{F057989A-5FBD-8B8C-9E04-AD900E79D30D}"/>
               </a:ext>
             </a:extLst>
           </p:cNvPr>
@@ -1987,7 +1987,7 @@
           <p:cNvPr id="5" name="灯片编号占位符 4">
             <a:extLst>
               <a:ext uri="{FF2B5EF4-FFF2-40B4-BE49-F238E27FC236}">
-                <a16:creationId xmlns:a16="http://schemas.microsoft.com/office/drawing/2014/main" id="{F5F290BA-2D5A-74B8-B3E2-07A4E7BFA040}"/>
+                <a16:creationId xmlns:a16="http://schemas.microsoft.com/office/drawing/2014/main" id="{E5E2E3E8-43BF-96B7-4872-F3607B82EC62}"/>
               </a:ext>
             </a:extLst>
           </p:cNvPr>
@@ -2003,7 +2003,7 @@
           <a:bodyPr/>
           <a:lstStyle/>
           <a:p>
-            <a:fld id="{6950C99D-BC52-4A60-84F5-FB1D29023C1E}" type="slidenum">
+            <a:fld id="{461508D0-1CEF-4CE3-A51E-42CE21E81B92}" type="slidenum">
               <a:rPr lang="zh-CN" altLang="en-US" smtClean="0"/>
               <a:t>‹#›</a:t>
             </a:fld>
@@ -2014,7 +2014,7 @@
     </p:spTree>
     <p:extLst>
       <p:ext uri="{BB962C8B-B14F-4D97-AF65-F5344CB8AC3E}">
-        <p14:creationId xmlns:p14="http://schemas.microsoft.com/office/powerpoint/2010/main" val="946427730"/>
+        <p14:creationId xmlns:p14="http://schemas.microsoft.com/office/powerpoint/2010/main" val="2027260334"/>
       </p:ext>
     </p:extLst>
   </p:cSld>
@@ -2046,7 +2046,7 @@
           <p:cNvPr id="2" name="日期占位符 1">
             <a:extLst>
               <a:ext uri="{FF2B5EF4-FFF2-40B4-BE49-F238E27FC236}">
-                <a16:creationId xmlns:a16="http://schemas.microsoft.com/office/drawing/2014/main" id="{72704417-3144-DD86-DDAC-E0C002AEB35B}"/>
+                <a16:creationId xmlns:a16="http://schemas.microsoft.com/office/drawing/2014/main" id="{B04DA88F-BE79-0903-1DE4-E33C14D77F63}"/>
               </a:ext>
             </a:extLst>
           </p:cNvPr>
@@ -2062,7 +2062,7 @@
           <a:bodyPr/>
           <a:lstStyle/>
           <a:p>
-            <a:fld id="{4CAE229E-A24E-4AFB-BA73-53350BC43E72}" type="datetimeFigureOut">
+            <a:fld id="{E7178236-E253-4226-A012-E45940043F94}" type="datetimeFigureOut">
               <a:rPr lang="zh-CN" altLang="en-US" smtClean="0"/>
               <a:t>2024/3/10</a:t>
             </a:fld>
@@ -2075,7 +2075,7 @@
           <p:cNvPr id="3" name="页脚占位符 2">
             <a:extLst>
               <a:ext uri="{FF2B5EF4-FFF2-40B4-BE49-F238E27FC236}">
-                <a16:creationId xmlns:a16="http://schemas.microsoft.com/office/drawing/2014/main" id="{C77471D8-D9B6-0D1E-3A88-10A44699B7EF}"/>
+                <a16:creationId xmlns:a16="http://schemas.microsoft.com/office/drawing/2014/main" id="{9DDB4970-7CA8-3645-ECD8-570DD814FDBF}"/>
               </a:ext>
             </a:extLst>
           </p:cNvPr>
@@ -2100,7 +2100,7 @@
           <p:cNvPr id="4" name="灯片编号占位符 3">
             <a:extLst>
               <a:ext uri="{FF2B5EF4-FFF2-40B4-BE49-F238E27FC236}">
-                <a16:creationId xmlns:a16="http://schemas.microsoft.com/office/drawing/2014/main" id="{4796048A-AF71-6C69-1D53-E1944B2258DB}"/>
+                <a16:creationId xmlns:a16="http://schemas.microsoft.com/office/drawing/2014/main" id="{BC8EB698-BA39-1B08-5FAC-07942AA5B5DE}"/>
               </a:ext>
             </a:extLst>
           </p:cNvPr>
@@ -2116,7 +2116,7 @@
           <a:bodyPr/>
           <a:lstStyle/>
           <a:p>
-            <a:fld id="{6950C99D-BC52-4A60-84F5-FB1D29023C1E}" type="slidenum">
+            <a:fld id="{461508D0-1CEF-4CE3-A51E-42CE21E81B92}" type="slidenum">
               <a:rPr lang="zh-CN" altLang="en-US" smtClean="0"/>
               <a:t>‹#›</a:t>
             </a:fld>
@@ -2127,7 +2127,7 @@
     </p:spTree>
     <p:extLst>
       <p:ext uri="{BB962C8B-B14F-4D97-AF65-F5344CB8AC3E}">
-        <p14:creationId xmlns:p14="http://schemas.microsoft.com/office/powerpoint/2010/main" val="3864949839"/>
+        <p14:creationId xmlns:p14="http://schemas.microsoft.com/office/powerpoint/2010/main" val="3258377232"/>
       </p:ext>
     </p:extLst>
   </p:cSld>
@@ -2159,7 +2159,7 @@
           <p:cNvPr id="2" name="标题 1">
             <a:extLst>
               <a:ext uri="{FF2B5EF4-FFF2-40B4-BE49-F238E27FC236}">
-                <a16:creationId xmlns:a16="http://schemas.microsoft.com/office/drawing/2014/main" id="{15B5C43E-779D-BDE5-0B90-8F8B6DD18A2D}"/>
+                <a16:creationId xmlns:a16="http://schemas.microsoft.com/office/drawing/2014/main" id="{E82E3A35-F568-F3A3-C6FF-56535F3D73E2}"/>
               </a:ext>
             </a:extLst>
           </p:cNvPr>
@@ -2196,7 +2196,7 @@
           <p:cNvPr id="3" name="内容占位符 2">
             <a:extLst>
               <a:ext uri="{FF2B5EF4-FFF2-40B4-BE49-F238E27FC236}">
-                <a16:creationId xmlns:a16="http://schemas.microsoft.com/office/drawing/2014/main" id="{3ED25B4E-2D9B-C5CE-1B29-1A3BFC53685F}"/>
+                <a16:creationId xmlns:a16="http://schemas.microsoft.com/office/drawing/2014/main" id="{EDC41ED7-BF65-70F6-39DF-2E6DE1279C64}"/>
               </a:ext>
             </a:extLst>
           </p:cNvPr>
@@ -2286,7 +2286,7 @@
           <p:cNvPr id="4" name="文本占位符 3">
             <a:extLst>
               <a:ext uri="{FF2B5EF4-FFF2-40B4-BE49-F238E27FC236}">
-                <a16:creationId xmlns:a16="http://schemas.microsoft.com/office/drawing/2014/main" id="{39E55E46-B79D-275F-E50F-9D632BF6EBE3}"/>
+                <a16:creationId xmlns:a16="http://schemas.microsoft.com/office/drawing/2014/main" id="{5A53D560-900B-2843-6DAE-2856DECB0BEA}"/>
               </a:ext>
             </a:extLst>
           </p:cNvPr>
@@ -2357,7 +2357,7 @@
           <p:cNvPr id="5" name="日期占位符 4">
             <a:extLst>
               <a:ext uri="{FF2B5EF4-FFF2-40B4-BE49-F238E27FC236}">
-                <a16:creationId xmlns:a16="http://schemas.microsoft.com/office/drawing/2014/main" id="{9358C1CD-B353-0F74-9C35-8C93AFD8DF4E}"/>
+                <a16:creationId xmlns:a16="http://schemas.microsoft.com/office/drawing/2014/main" id="{17E253D7-C5C7-F9C0-873D-9E0582A14605}"/>
               </a:ext>
             </a:extLst>
           </p:cNvPr>
@@ -2373,7 +2373,7 @@
           <a:bodyPr/>
           <a:lstStyle/>
           <a:p>
-            <a:fld id="{4CAE229E-A24E-4AFB-BA73-53350BC43E72}" type="datetimeFigureOut">
+            <a:fld id="{E7178236-E253-4226-A012-E45940043F94}" type="datetimeFigureOut">
               <a:rPr lang="zh-CN" altLang="en-US" smtClean="0"/>
               <a:t>2024/3/10</a:t>
             </a:fld>
@@ -2386,7 +2386,7 @@
           <p:cNvPr id="6" name="页脚占位符 5">
             <a:extLst>
               <a:ext uri="{FF2B5EF4-FFF2-40B4-BE49-F238E27FC236}">
-                <a16:creationId xmlns:a16="http://schemas.microsoft.com/office/drawing/2014/main" id="{467F95A6-84AD-8DCE-73F4-6424F01ED2FA}"/>
+                <a16:creationId xmlns:a16="http://schemas.microsoft.com/office/drawing/2014/main" id="{18B7989D-A8E5-711E-6108-E9DE3BFEEBD2}"/>
               </a:ext>
             </a:extLst>
           </p:cNvPr>
@@ -2411,7 +2411,7 @@
           <p:cNvPr id="7" name="灯片编号占位符 6">
             <a:extLst>
               <a:ext uri="{FF2B5EF4-FFF2-40B4-BE49-F238E27FC236}">
-                <a16:creationId xmlns:a16="http://schemas.microsoft.com/office/drawing/2014/main" id="{55949CF0-E666-4E9C-71C4-93C9C346F8D5}"/>
+                <a16:creationId xmlns:a16="http://schemas.microsoft.com/office/drawing/2014/main" id="{795E5469-0959-9D13-22C4-72BA8B7C662F}"/>
               </a:ext>
             </a:extLst>
           </p:cNvPr>
@@ -2427,7 +2427,7 @@
           <a:bodyPr/>
           <a:lstStyle/>
           <a:p>
-            <a:fld id="{6950C99D-BC52-4A60-84F5-FB1D29023C1E}" type="slidenum">
+            <a:fld id="{461508D0-1CEF-4CE3-A51E-42CE21E81B92}" type="slidenum">
               <a:rPr lang="zh-CN" altLang="en-US" smtClean="0"/>
               <a:t>‹#›</a:t>
             </a:fld>
@@ -2438,7 +2438,7 @@
     </p:spTree>
     <p:extLst>
       <p:ext uri="{BB962C8B-B14F-4D97-AF65-F5344CB8AC3E}">
-        <p14:creationId xmlns:p14="http://schemas.microsoft.com/office/powerpoint/2010/main" val="2176182023"/>
+        <p14:creationId xmlns:p14="http://schemas.microsoft.com/office/powerpoint/2010/main" val="3140592461"/>
       </p:ext>
     </p:extLst>
   </p:cSld>
@@ -2470,7 +2470,7 @@
           <p:cNvPr id="2" name="标题 1">
             <a:extLst>
               <a:ext uri="{FF2B5EF4-FFF2-40B4-BE49-F238E27FC236}">
-                <a16:creationId xmlns:a16="http://schemas.microsoft.com/office/drawing/2014/main" id="{6A4E9CEB-0C1F-AA83-E4C5-CA258FB8AF47}"/>
+                <a16:creationId xmlns:a16="http://schemas.microsoft.com/office/drawing/2014/main" id="{59C83BD1-D074-8F73-F8A1-7836F28FF667}"/>
               </a:ext>
             </a:extLst>
           </p:cNvPr>
@@ -2507,7 +2507,7 @@
           <p:cNvPr id="3" name="图片占位符 2">
             <a:extLst>
               <a:ext uri="{FF2B5EF4-FFF2-40B4-BE49-F238E27FC236}">
-                <a16:creationId xmlns:a16="http://schemas.microsoft.com/office/drawing/2014/main" id="{ADC53451-8B17-027D-3E15-1F9164E9C268}"/>
+                <a16:creationId xmlns:a16="http://schemas.microsoft.com/office/drawing/2014/main" id="{462FF16B-E937-6D4E-824C-1953A7498B36}"/>
               </a:ext>
             </a:extLst>
           </p:cNvPr>
@@ -2574,7 +2574,7 @@
           <p:cNvPr id="4" name="文本占位符 3">
             <a:extLst>
               <a:ext uri="{FF2B5EF4-FFF2-40B4-BE49-F238E27FC236}">
-                <a16:creationId xmlns:a16="http://schemas.microsoft.com/office/drawing/2014/main" id="{3FF195CD-A1B9-51DE-C002-D3B26708C204}"/>
+                <a16:creationId xmlns:a16="http://schemas.microsoft.com/office/drawing/2014/main" id="{955A6487-75F4-F37F-37CD-177D6C47EAEF}"/>
               </a:ext>
             </a:extLst>
           </p:cNvPr>
@@ -2645,7 +2645,7 @@
           <p:cNvPr id="5" name="日期占位符 4">
             <a:extLst>
               <a:ext uri="{FF2B5EF4-FFF2-40B4-BE49-F238E27FC236}">
-                <a16:creationId xmlns:a16="http://schemas.microsoft.com/office/drawing/2014/main" id="{64C94222-92EA-DEDF-9082-6F0272E5D08C}"/>
+                <a16:creationId xmlns:a16="http://schemas.microsoft.com/office/drawing/2014/main" id="{DD8E7406-F230-B206-250B-C78B3F636BD6}"/>
               </a:ext>
             </a:extLst>
           </p:cNvPr>
@@ -2661,7 +2661,7 @@
           <a:bodyPr/>
           <a:lstStyle/>
           <a:p>
-            <a:fld id="{4CAE229E-A24E-4AFB-BA73-53350BC43E72}" type="datetimeFigureOut">
+            <a:fld id="{E7178236-E253-4226-A012-E45940043F94}" type="datetimeFigureOut">
               <a:rPr lang="zh-CN" altLang="en-US" smtClean="0"/>
               <a:t>2024/3/10</a:t>
             </a:fld>
@@ -2674,7 +2674,7 @@
           <p:cNvPr id="6" name="页脚占位符 5">
             <a:extLst>
               <a:ext uri="{FF2B5EF4-FFF2-40B4-BE49-F238E27FC236}">
-                <a16:creationId xmlns:a16="http://schemas.microsoft.com/office/drawing/2014/main" id="{A0FDCC9A-81F7-E5B3-3822-DFF00EFFD3B1}"/>
+                <a16:creationId xmlns:a16="http://schemas.microsoft.com/office/drawing/2014/main" id="{911A9FF0-1F98-C9DB-D5A0-8FA357B13072}"/>
               </a:ext>
             </a:extLst>
           </p:cNvPr>
@@ -2699,7 +2699,7 @@
           <p:cNvPr id="7" name="灯片编号占位符 6">
             <a:extLst>
               <a:ext uri="{FF2B5EF4-FFF2-40B4-BE49-F238E27FC236}">
-                <a16:creationId xmlns:a16="http://schemas.microsoft.com/office/drawing/2014/main" id="{7CF27AE3-35EE-1B09-1CE9-D4424A3316F3}"/>
+                <a16:creationId xmlns:a16="http://schemas.microsoft.com/office/drawing/2014/main" id="{12000A0D-7377-D9EF-9AA3-5E644AA836EA}"/>
               </a:ext>
             </a:extLst>
           </p:cNvPr>
@@ -2715,7 +2715,7 @@
           <a:bodyPr/>
           <a:lstStyle/>
           <a:p>
-            <a:fld id="{6950C99D-BC52-4A60-84F5-FB1D29023C1E}" type="slidenum">
+            <a:fld id="{461508D0-1CEF-4CE3-A51E-42CE21E81B92}" type="slidenum">
               <a:rPr lang="zh-CN" altLang="en-US" smtClean="0"/>
               <a:t>‹#›</a:t>
             </a:fld>
@@ -2726,7 +2726,7 @@
     </p:spTree>
     <p:extLst>
       <p:ext uri="{BB962C8B-B14F-4D97-AF65-F5344CB8AC3E}">
-        <p14:creationId xmlns:p14="http://schemas.microsoft.com/office/powerpoint/2010/main" val="1794181924"/>
+        <p14:creationId xmlns:p14="http://schemas.microsoft.com/office/powerpoint/2010/main" val="858877027"/>
       </p:ext>
     </p:extLst>
   </p:cSld>
@@ -2763,7 +2763,7 @@
           <p:cNvPr id="2" name="标题占位符 1">
             <a:extLst>
               <a:ext uri="{FF2B5EF4-FFF2-40B4-BE49-F238E27FC236}">
-                <a16:creationId xmlns:a16="http://schemas.microsoft.com/office/drawing/2014/main" id="{15C288AB-5069-D7AE-03F6-B95DA1DE7B83}"/>
+                <a16:creationId xmlns:a16="http://schemas.microsoft.com/office/drawing/2014/main" id="{D8D8107C-24E8-174F-3734-F8B2C5E4D32D}"/>
               </a:ext>
             </a:extLst>
           </p:cNvPr>
@@ -2801,7 +2801,7 @@
           <p:cNvPr id="3" name="文本占位符 2">
             <a:extLst>
               <a:ext uri="{FF2B5EF4-FFF2-40B4-BE49-F238E27FC236}">
-                <a16:creationId xmlns:a16="http://schemas.microsoft.com/office/drawing/2014/main" id="{384A31D0-4AC0-A9CC-4804-B3A4F55E81A6}"/>
+                <a16:creationId xmlns:a16="http://schemas.microsoft.com/office/drawing/2014/main" id="{C3B16679-651A-C059-04B7-905C41E5FF28}"/>
               </a:ext>
             </a:extLst>
           </p:cNvPr>
@@ -2868,7 +2868,7 @@
           <p:cNvPr id="4" name="日期占位符 3">
             <a:extLst>
               <a:ext uri="{FF2B5EF4-FFF2-40B4-BE49-F238E27FC236}">
-                <a16:creationId xmlns:a16="http://schemas.microsoft.com/office/drawing/2014/main" id="{2ABF75E6-65D6-6B08-512B-37323006FEDB}"/>
+                <a16:creationId xmlns:a16="http://schemas.microsoft.com/office/drawing/2014/main" id="{43DC7535-2966-7B5B-3D3D-46DDC5240ADC}"/>
               </a:ext>
             </a:extLst>
           </p:cNvPr>
@@ -2902,7 +2902,7 @@
             </a:lvl1pPr>
           </a:lstStyle>
           <a:p>
-            <a:fld id="{4CAE229E-A24E-4AFB-BA73-53350BC43E72}" type="datetimeFigureOut">
+            <a:fld id="{E7178236-E253-4226-A012-E45940043F94}" type="datetimeFigureOut">
               <a:rPr lang="zh-CN" altLang="en-US" smtClean="0"/>
               <a:t>2024/3/10</a:t>
             </a:fld>
@@ -2915,7 +2915,7 @@
           <p:cNvPr id="5" name="页脚占位符 4">
             <a:extLst>
               <a:ext uri="{FF2B5EF4-FFF2-40B4-BE49-F238E27FC236}">
-                <a16:creationId xmlns:a16="http://schemas.microsoft.com/office/drawing/2014/main" id="{D1C96F27-23A2-F036-3EC0-FDB67044569C}"/>
+                <a16:creationId xmlns:a16="http://schemas.microsoft.com/office/drawing/2014/main" id="{8C52F3E8-1E23-7189-9DDA-B62778314F2E}"/>
               </a:ext>
             </a:extLst>
           </p:cNvPr>
@@ -2958,7 +2958,7 @@
           <p:cNvPr id="6" name="灯片编号占位符 5">
             <a:extLst>
               <a:ext uri="{FF2B5EF4-FFF2-40B4-BE49-F238E27FC236}">
-                <a16:creationId xmlns:a16="http://schemas.microsoft.com/office/drawing/2014/main" id="{592D12F9-8643-4A7F-DA3D-D2A6ABC1092E}"/>
+                <a16:creationId xmlns:a16="http://schemas.microsoft.com/office/drawing/2014/main" id="{70A21EEB-6C93-94DC-734C-3738D67C492B}"/>
               </a:ext>
             </a:extLst>
           </p:cNvPr>
@@ -2992,7 +2992,7 @@
             </a:lvl1pPr>
           </a:lstStyle>
           <a:p>
-            <a:fld id="{6950C99D-BC52-4A60-84F5-FB1D29023C1E}" type="slidenum">
+            <a:fld id="{461508D0-1CEF-4CE3-A51E-42CE21E81B92}" type="slidenum">
               <a:rPr lang="zh-CN" altLang="en-US" smtClean="0"/>
               <a:t>‹#›</a:t>
             </a:fld>
@@ -3003,7 +3003,7 @@
     </p:spTree>
     <p:extLst>
       <p:ext uri="{BB962C8B-B14F-4D97-AF65-F5344CB8AC3E}">
-        <p14:creationId xmlns:p14="http://schemas.microsoft.com/office/powerpoint/2010/main" val="3554776666"/>
+        <p14:creationId xmlns:p14="http://schemas.microsoft.com/office/powerpoint/2010/main" val="1947946664"/>
       </p:ext>
     </p:extLst>
   </p:cSld>
